--- a/2DGP 프로젝트 2차 발표.pptx
+++ b/2DGP 프로젝트 2차 발표.pptx
@@ -106,6 +106,11 @@
       </a:defRPr>
     </a:lvl9pPr>
   </p:defaultTextStyle>
+  <p:extLst>
+    <p:ext uri="{EFAFB233-063F-42B5-8137-9DF3F51BA10A}">
+      <p15:sldGuideLst xmlns:p15="http://schemas.microsoft.com/office/powerpoint/2012/main"/>
+    </p:ext>
+  </p:extLst>
 </p:presentation>
 </file>
 
@@ -673,7 +678,7 @@
           <a:p>
             <a:fld id="{D6D0F569-AC90-44EB-9EF4-4E5C2F5D823C}" type="datetime1">
               <a:rPr lang="en-US" smtClean="0"/>
-              <a:t>11/13/2023</a:t>
+              <a:t>11/14/2023</a:t>
             </a:fld>
             <a:endParaRPr lang="en-US" dirty="0"/>
           </a:p>
@@ -1350,7 +1355,7 @@
           <a:p>
             <a:fld id="{46BA7D41-E8B7-4A0B-B861-3EC4AE88917D}" type="datetime1">
               <a:rPr lang="en-US" smtClean="0"/>
-              <a:t>11/13/2023</a:t>
+              <a:t>11/14/2023</a:t>
             </a:fld>
             <a:endParaRPr lang="en-US" dirty="0"/>
           </a:p>
@@ -2037,7 +2042,7 @@
           <a:p>
             <a:fld id="{A7C34823-0B19-4B4E-A643-7A3B0A3D24D6}" type="datetime1">
               <a:rPr lang="en-US" smtClean="0"/>
-              <a:t>11/13/2023</a:t>
+              <a:t>11/14/2023</a:t>
             </a:fld>
             <a:endParaRPr lang="en-US" dirty="0"/>
           </a:p>
@@ -2717,7 +2722,7 @@
           <a:p>
             <a:fld id="{8C2D79EF-17C8-45D8-9866-DAF5723FC604}" type="datetime1">
               <a:rPr lang="en-US" smtClean="0"/>
-              <a:t>11/13/2023</a:t>
+              <a:t>11/14/2023</a:t>
             </a:fld>
             <a:endParaRPr lang="en-US" dirty="0"/>
           </a:p>
@@ -3471,7 +3476,7 @@
           <a:p>
             <a:fld id="{DFFC2ADC-3680-4013-A757-E4663495DB98}" type="datetime1">
               <a:rPr lang="en-US" smtClean="0"/>
-              <a:t>11/13/2023</a:t>
+              <a:t>11/14/2023</a:t>
             </a:fld>
             <a:endParaRPr lang="en-US" dirty="0"/>
           </a:p>
@@ -4215,7 +4220,7 @@
           <a:p>
             <a:fld id="{4751BA94-5DCA-4F19-960F-0FB2BD5EE85A}" type="datetime1">
               <a:rPr lang="en-US" smtClean="0"/>
-              <a:t>11/13/2023</a:t>
+              <a:t>11/14/2023</a:t>
             </a:fld>
             <a:endParaRPr lang="en-US" dirty="0"/>
           </a:p>
@@ -5106,7 +5111,7 @@
           <a:p>
             <a:fld id="{01BED947-38D9-44AC-8B89-E79758333B77}" type="datetime1">
               <a:rPr lang="en-US" smtClean="0"/>
-              <a:t>11/13/2023</a:t>
+              <a:t>11/14/2023</a:t>
             </a:fld>
             <a:endParaRPr lang="en-US" dirty="0"/>
           </a:p>
@@ -5726,7 +5731,7 @@
           <a:p>
             <a:fld id="{3781E23F-BD3C-4F23-B116-2B758120C8AC}" type="datetime1">
               <a:rPr lang="en-US" smtClean="0"/>
-              <a:t>11/13/2023</a:t>
+              <a:t>11/14/2023</a:t>
             </a:fld>
             <a:endParaRPr lang="en-US" dirty="0"/>
           </a:p>
@@ -6318,7 +6323,7 @@
           <a:p>
             <a:fld id="{473CFAA9-6D59-4D98-869E-ACBDB83B2CA4}" type="datetime1">
               <a:rPr lang="en-US" smtClean="0"/>
-              <a:t>11/13/2023</a:t>
+              <a:t>11/14/2023</a:t>
             </a:fld>
             <a:endParaRPr lang="en-US"/>
           </a:p>
@@ -7108,7 +7113,7 @@
           <a:p>
             <a:fld id="{DC410804-27E3-430A-BB42-B831260DE39A}" type="datetime1">
               <a:rPr lang="en-US" smtClean="0"/>
-              <a:t>11/13/2023</a:t>
+              <a:t>11/14/2023</a:t>
             </a:fld>
             <a:endParaRPr lang="en-US" dirty="0"/>
           </a:p>
@@ -7878,7 +7883,7 @@
           <a:p>
             <a:fld id="{60E22DE3-3D1A-4D53-B9A6-6C7463B8C992}" type="datetime1">
               <a:rPr lang="en-US" smtClean="0"/>
-              <a:t>11/13/2023</a:t>
+              <a:t>11/14/2023</a:t>
             </a:fld>
             <a:endParaRPr lang="en-US" dirty="0"/>
           </a:p>
@@ -8183,7 +8188,7 @@
             <a:fld id="{5ECD8B30-1B71-45A1-8314-D59C86F581E1}" type="datetime1">
               <a:rPr lang="en-US" smtClean="0"/>
               <a:pPr/>
-              <a:t>11/13/2023</a:t>
+              <a:t>11/14/2023</a:t>
             </a:fld>
             <a:endParaRPr lang="en-US" b="1" dirty="0"/>
           </a:p>
@@ -10949,6 +10954,7 @@
               <a:rPr lang="ko-KR" altLang="en-US" dirty="0"/>
               <a:t>개발 진행 현황</a:t>
             </a:r>
+            <a:endParaRPr lang="ko-KR" altLang="en-US" sz="2000" dirty="0"/>
           </a:p>
         </p:txBody>
       </p:sp>
@@ -12688,6 +12694,50 @@
           </a:graphicData>
         </a:graphic>
       </p:graphicFrame>
+      <p:sp>
+        <p:nvSpPr>
+          <p:cNvPr id="3" name="TextBox 2">
+            <a:extLst>
+              <a:ext uri="{FF2B5EF4-FFF2-40B4-BE49-F238E27FC236}">
+                <a16:creationId xmlns:a16="http://schemas.microsoft.com/office/drawing/2014/main" id="{0F024ED2-A137-289A-0C52-C68406601894}"/>
+              </a:ext>
+            </a:extLst>
+          </p:cNvPr>
+          <p:cNvSpPr txBox="1"/>
+          <p:nvPr/>
+        </p:nvSpPr>
+        <p:spPr>
+          <a:xfrm>
+            <a:off x="10063843" y="6474607"/>
+            <a:ext cx="2128157" cy="369332"/>
+          </a:xfrm>
+          <a:prstGeom prst="rect">
+            <a:avLst/>
+          </a:prstGeom>
+          <a:noFill/>
+        </p:spPr>
+        <p:txBody>
+          <a:bodyPr wrap="square" rtlCol="0">
+            <a:spAutoFit/>
+          </a:bodyPr>
+          <a:lstStyle/>
+          <a:p>
+            <a:r>
+              <a:rPr lang="en-US" altLang="ko-KR" sz="1800" dirty="0"/>
+              <a:t>(</a:t>
+            </a:r>
+            <a:r>
+              <a:rPr lang="ko-KR" altLang="en-US" sz="1800" dirty="0"/>
+              <a:t>평균 진행률 </a:t>
+            </a:r>
+            <a:r>
+              <a:rPr lang="en-US" altLang="ko-KR" sz="1800" dirty="0"/>
+              <a:t>97.5%)</a:t>
+            </a:r>
+            <a:endParaRPr lang="ko-KR" altLang="en-US" dirty="0"/>
+          </a:p>
+        </p:txBody>
+      </p:sp>
     </p:spTree>
     <p:extLst>
       <p:ext uri="{BB962C8B-B14F-4D97-AF65-F5344CB8AC3E}">
